--- a/Reports/实训期末展示.pptx
+++ b/Reports/实训期末展示.pptx
@@ -123,6 +123,11 @@
       </a:defRPr>
     </a:lvl9pPr>
   </p:defaultTextStyle>
+  <p:extLst>
+    <p:ext uri="{EFAFB233-063F-42B5-8137-9DF3F51BA10A}">
+      <p15:sldGuideLst xmlns:p15="http://schemas.microsoft.com/office/powerpoint/2012/main"/>
+    </p:ext>
+  </p:extLst>
 </p:presentation>
 </file>
 
@@ -6222,10 +6227,10 @@
       </p:sp>
       <p:pic>
         <p:nvPicPr>
-          <p:cNvPr id="5" name="图片 4">
-            <a:extLst>
-              <a:ext uri="{FF2B5EF4-FFF2-40B4-BE49-F238E27FC236}">
-                <a16:creationId xmlns:a16="http://schemas.microsoft.com/office/drawing/2014/main" id="{5B6E16F9-814E-4079-998F-BF87B3ECBC0C}"/>
+          <p:cNvPr id="6" name="图片 5">
+            <a:extLst>
+              <a:ext uri="{FF2B5EF4-FFF2-40B4-BE49-F238E27FC236}">
+                <a16:creationId xmlns:a16="http://schemas.microsoft.com/office/drawing/2014/main" id="{58CD60B4-BF67-4006-9D3C-AD63AA6DC029}"/>
               </a:ext>
             </a:extLst>
           </p:cNvPr>
@@ -6248,8 +6253,8 @@
         </p:blipFill>
         <p:spPr>
           <a:xfrm>
-            <a:off x="4838156" y="1027906"/>
-            <a:ext cx="4762500" cy="5562600"/>
+            <a:off x="5478214" y="1096872"/>
+            <a:ext cx="4305322" cy="5396003"/>
           </a:xfrm>
           <a:prstGeom prst="rect">
             <a:avLst/>
